--- a/2223-9th-grade-sprint-math-games/Documents/Presenting/Algebrain.pptx
+++ b/2223-9th-grade-sprint-math-games/Documents/Presenting/Algebrain.pptx
@@ -267,6 +267,11 @@
       </a:defRPr>
     </a:lvl9pPr>
   </p:defaultTextStyle>
+  <p:extLst>
+    <p:ext uri="{EFAFB233-063F-42B5-8137-9DF3F51BA10A}">
+      <p15:sldGuideLst xmlns:p15="http://schemas.microsoft.com/office/powerpoint/2012/main"/>
+    </p:ext>
+  </p:extLst>
 </p:presentation>
 </file>
 
@@ -15563,13 +15568,13 @@
   <p:clrMapOvr>
     <a:masterClrMapping/>
   </p:clrMapOvr>
-  <mc:AlternateContent xmlns:mc="http://schemas.openxmlformats.org/markup-compatibility/2006">
-    <mc:Choice xmlns:p14="http://schemas.microsoft.com/office/powerpoint/2010/main" Requires="p14">
+  <mc:AlternateContent xmlns:mc="http://schemas.openxmlformats.org/markup-compatibility/2006" xmlns:p14="http://schemas.microsoft.com/office/powerpoint/2010/main">
+    <mc:Choice Requires="p14">
       <p:transition spd="med" p14:dur="700">
         <p:fade/>
       </p:transition>
     </mc:Choice>
-    <mc:Fallback>
+    <mc:Fallback xmlns="">
       <p:transition spd="med">
         <p:fade/>
       </p:transition>
@@ -16504,13 +16509,13 @@
   <p:clrMapOvr>
     <a:masterClrMapping/>
   </p:clrMapOvr>
-  <mc:AlternateContent xmlns:mc="http://schemas.openxmlformats.org/markup-compatibility/2006">
-    <mc:Choice xmlns:p159="http://schemas.microsoft.com/office/powerpoint/2015/09/main" Requires="p159">
+  <mc:AlternateContent xmlns:mc="http://schemas.openxmlformats.org/markup-compatibility/2006" xmlns:p159="http://schemas.microsoft.com/office/powerpoint/2015/09/main">
+    <mc:Choice Requires="p159">
       <p:transition xmlns:p14="http://schemas.microsoft.com/office/powerpoint/2010/main" spd="slow" p14:dur="2000">
         <p159:morph option="byObject"/>
       </p:transition>
     </mc:Choice>
-    <mc:Fallback>
+    <mc:Fallback xmlns="">
       <p:transition spd="slow">
         <p:fade/>
       </p:transition>
@@ -17111,7 +17116,7 @@
         </p:nvSpPr>
         <p:spPr>
           <a:xfrm>
-            <a:off x="2652768" y="3086907"/>
+            <a:off x="2728520" y="3135275"/>
             <a:ext cx="1731900" cy="923984"/>
           </a:xfrm>
           <a:prstGeom prst="rect">
@@ -17144,7 +17149,7 @@
                 <a:latin typeface="Times New Roman" panose="02020603050405020304" pitchFamily="18" charset="0"/>
                 <a:cs typeface="Times New Roman" panose="02020603050405020304" pitchFamily="18" charset="0"/>
               </a:rPr>
-              <a:t>We made the basic design of the game and create our main character</a:t>
+              <a:t>We made the basic design of the game and created our main character</a:t>
             </a:r>
             <a:endParaRPr dirty="0">
               <a:solidFill>
@@ -17245,7 +17250,7 @@
         </p:nvSpPr>
         <p:spPr>
           <a:xfrm>
-            <a:off x="4642222" y="3083656"/>
+            <a:off x="4652456" y="3095169"/>
             <a:ext cx="1731900" cy="923984"/>
           </a:xfrm>
           <a:prstGeom prst="rect">
@@ -17379,7 +17384,7 @@
         </p:nvSpPr>
         <p:spPr>
           <a:xfrm>
-            <a:off x="6631674" y="2971195"/>
+            <a:off x="6670871" y="2971992"/>
             <a:ext cx="1849033" cy="1148906"/>
           </a:xfrm>
           <a:prstGeom prst="rect">
@@ -17462,6 +17467,16 @@
               <a:buNone/>
             </a:pPr>
             <a:r>
+              <a:rPr lang="en">
+                <a:solidFill>
+                  <a:schemeClr val="dk1"/>
+                </a:solidFill>
+                <a:latin typeface="Times New Roman" panose="02020603050405020304" pitchFamily="18" charset="0"/>
+                <a:cs typeface="Times New Roman" panose="02020603050405020304" pitchFamily="18" charset="0"/>
+              </a:rPr>
+              <a:t>We created </a:t>
+            </a:r>
+            <a:r>
               <a:rPr lang="en" dirty="0">
                 <a:solidFill>
                   <a:schemeClr val="dk1"/>
@@ -17469,7 +17484,7 @@
                 <a:latin typeface="Times New Roman" panose="02020603050405020304" pitchFamily="18" charset="0"/>
                 <a:cs typeface="Times New Roman" panose="02020603050405020304" pitchFamily="18" charset="0"/>
               </a:rPr>
-              <a:t>We create our logo and decusied ideas about the game</a:t>
+              <a:t>our logo and discussed ideas about the game</a:t>
             </a:r>
             <a:endParaRPr dirty="0">
               <a:solidFill>
@@ -17861,13 +17876,13 @@
   <p:clrMapOvr>
     <a:masterClrMapping/>
   </p:clrMapOvr>
-  <mc:AlternateContent xmlns:mc="http://schemas.openxmlformats.org/markup-compatibility/2006">
-    <mc:Choice xmlns:p14="http://schemas.microsoft.com/office/powerpoint/2010/main" Requires="p14">
+  <mc:AlternateContent xmlns:mc="http://schemas.openxmlformats.org/markup-compatibility/2006" xmlns:p14="http://schemas.microsoft.com/office/powerpoint/2010/main">
+    <mc:Choice Requires="p14">
       <p:transition spd="slow" p14:dur="1300">
         <p14:pan dir="u"/>
       </p:transition>
     </mc:Choice>
-    <mc:Fallback>
+    <mc:Fallback xmlns="">
       <p:transition spd="slow">
         <p:fade/>
       </p:transition>
@@ -18331,13 +18346,13 @@
   <p:clrMapOvr>
     <a:masterClrMapping/>
   </p:clrMapOvr>
-  <mc:AlternateContent xmlns:mc="http://schemas.openxmlformats.org/markup-compatibility/2006">
-    <mc:Choice xmlns:p159="http://schemas.microsoft.com/office/powerpoint/2015/09/main" Requires="p159">
+  <mc:AlternateContent xmlns:mc="http://schemas.openxmlformats.org/markup-compatibility/2006" xmlns:p159="http://schemas.microsoft.com/office/powerpoint/2015/09/main">
+    <mc:Choice Requires="p159">
       <p:transition xmlns:p14="http://schemas.microsoft.com/office/powerpoint/2010/main" spd="slow" p14:dur="2000">
         <p159:morph option="byObject"/>
       </p:transition>
     </mc:Choice>
-    <mc:Fallback>
+    <mc:Fallback xmlns="">
       <p:transition spd="slow">
         <p:fade/>
       </p:transition>
@@ -18426,13 +18441,13 @@
   <p:clrMapOvr>
     <a:masterClrMapping/>
   </p:clrMapOvr>
-  <mc:AlternateContent xmlns:mc="http://schemas.openxmlformats.org/markup-compatibility/2006">
-    <mc:Choice xmlns:p14="http://schemas.microsoft.com/office/powerpoint/2010/main" Requires="p14">
+  <mc:AlternateContent xmlns:mc="http://schemas.openxmlformats.org/markup-compatibility/2006" xmlns:p14="http://schemas.microsoft.com/office/powerpoint/2010/main">
+    <mc:Choice Requires="p14">
       <p:transition spd="slow" p14:dur="1750">
         <p14:flythrough/>
       </p:transition>
     </mc:Choice>
-    <mc:Fallback>
+    <mc:Fallback xmlns="">
       <p:transition spd="slow">
         <p:fade/>
       </p:transition>

--- a/2223-9th-grade-sprint-math-games/Documents/Presenting/Algebrain.pptx
+++ b/2223-9th-grade-sprint-math-games/Documents/Presenting/Algebrain.pptx
@@ -15418,7 +15418,7 @@
         </p:blipFill>
         <p:spPr>
           <a:xfrm>
-            <a:off x="2328017" y="798822"/>
+            <a:off x="2328016" y="805750"/>
             <a:ext cx="4218255" cy="4218255"/>
           </a:xfrm>
           <a:prstGeom prst="rect">

--- a/2223-9th-grade-sprint-math-games/Documents/Presenting/Algebrain.pptx
+++ b/2223-9th-grade-sprint-math-games/Documents/Presenting/Algebrain.pptx
@@ -22,7 +22,7 @@
       <p:regular r:id="rId8"/>
     </p:embeddedFont>
     <p:embeddedFont>
-      <p:font typeface="Bebas Neue" panose="020B0606020202050201" pitchFamily="34" charset="0"/>
+      <p:font typeface="Bebas Neue" panose="020B0604020202020204" charset="0"/>
       <p:regular r:id="rId9"/>
     </p:embeddedFont>
     <p:embeddedFont>
@@ -18253,36 +18253,6 @@
       </p:pic>
       <p:pic>
         <p:nvPicPr>
-          <p:cNvPr id="57" name="Картина 56">
-            <a:extLst>
-              <a:ext uri="{FF2B5EF4-FFF2-40B4-BE49-F238E27FC236}">
-                <a16:creationId xmlns:a16="http://schemas.microsoft.com/office/drawing/2014/main" id="{E01D2BBA-B863-1EB6-25C0-8676FE7A31B7}"/>
-              </a:ext>
-            </a:extLst>
-          </p:cNvPr>
-          <p:cNvPicPr>
-            <a:picLocks noChangeAspect="1"/>
-          </p:cNvPicPr>
-          <p:nvPr/>
-        </p:nvPicPr>
-        <p:blipFill>
-          <a:blip r:embed="rId18"/>
-          <a:stretch>
-            <a:fillRect/>
-          </a:stretch>
-        </p:blipFill>
-        <p:spPr>
-          <a:xfrm>
-            <a:off x="5512934" y="1901109"/>
-            <a:ext cx="1341282" cy="1341282"/>
-          </a:xfrm>
-          <a:prstGeom prst="rect">
-            <a:avLst/>
-          </a:prstGeom>
-        </p:spPr>
-      </p:pic>
-      <p:pic>
-        <p:nvPicPr>
           <p:cNvPr id="59" name="Картина 58">
             <a:extLst>
               <a:ext uri="{FF2B5EF4-FFF2-40B4-BE49-F238E27FC236}">
@@ -18296,7 +18266,7 @@
           <p:nvPr/>
         </p:nvPicPr>
         <p:blipFill>
-          <a:blip r:embed="rId19"/>
+          <a:blip r:embed="rId18"/>
           <a:stretch>
             <a:fillRect/>
           </a:stretch>
@@ -18326,7 +18296,7 @@
           <p:nvPr/>
         </p:nvPicPr>
         <p:blipFill>
-          <a:blip r:embed="rId20"/>
+          <a:blip r:embed="rId19"/>
           <a:stretch>
             <a:fillRect/>
           </a:stretch>
@@ -18335,6 +18305,36 @@
           <a:xfrm>
             <a:off x="2065899" y="3294448"/>
             <a:ext cx="1526665" cy="1526665"/>
+          </a:xfrm>
+          <a:prstGeom prst="rect">
+            <a:avLst/>
+          </a:prstGeom>
+        </p:spPr>
+      </p:pic>
+      <p:pic>
+        <p:nvPicPr>
+          <p:cNvPr id="3" name="Picture 2">
+            <a:extLst>
+              <a:ext uri="{FF2B5EF4-FFF2-40B4-BE49-F238E27FC236}">
+                <a16:creationId xmlns:a16="http://schemas.microsoft.com/office/drawing/2014/main" id="{53EBEE60-DDD3-430D-AF72-FC18DA7B6CCE}"/>
+              </a:ext>
+            </a:extLst>
+          </p:cNvPr>
+          <p:cNvPicPr>
+            <a:picLocks noChangeAspect="1"/>
+          </p:cNvPicPr>
+          <p:nvPr/>
+        </p:nvPicPr>
+        <p:blipFill>
+          <a:blip r:embed="rId20"/>
+          <a:stretch>
+            <a:fillRect/>
+          </a:stretch>
+        </p:blipFill>
+        <p:spPr>
+          <a:xfrm>
+            <a:off x="5656559" y="2189699"/>
+            <a:ext cx="870622" cy="870622"/>
           </a:xfrm>
           <a:prstGeom prst="rect">
             <a:avLst/>
